--- a/HTMLForm/HTML_Form20190302.pptx
+++ b/HTMLForm/HTML_Form20190302.pptx
@@ -126,7 +126,7 @@
   </p:defaultTextStyle>
   <p:extLst>
     <p:ext uri="{EFAFB233-063F-42B5-8137-9DF3F51BA10A}">
-      <p15:sldGuideLst xmlns:p15="http://schemas.microsoft.com/office/powerpoint/2012/main" xmlns="">
+      <p15:sldGuideLst xmlns="" xmlns:p15="http://schemas.microsoft.com/office/powerpoint/2012/main">
         <p15:guide id="1" orient="horz" pos="2160">
           <p15:clr>
             <a:srgbClr val="A4A3A4"/>
@@ -226,7 +226,7 @@
             <a:fld id="{A0A1725C-527F-41D9-8C5E-0E64BCF9CADF}" type="datetimeFigureOut">
               <a:rPr lang="zh-TW" altLang="en-US" smtClean="0"/>
               <a:pPr/>
-              <a:t>2019/3/2</a:t>
+              <a:t>2019/7/18</a:t>
             </a:fld>
             <a:endParaRPr lang="zh-TW" altLang="en-US"/>
           </a:p>
@@ -1804,7 +1804,7 @@
             <a:fld id="{A88288D5-6C71-4C06-8354-2F073700F0F0}" type="datetime1">
               <a:rPr lang="zh-TW" altLang="en-US" smtClean="0"/>
               <a:pPr/>
-              <a:t>2019/3/2</a:t>
+              <a:t>2019/7/18</a:t>
             </a:fld>
             <a:endParaRPr lang="zh-TW" altLang="en-US"/>
           </a:p>
@@ -4718,7 +4718,7 @@
             <a:fld id="{5225DE44-2FDD-46D5-A51E-BEE9568C8B75}" type="datetime1">
               <a:rPr lang="zh-TW" altLang="en-US" smtClean="0"/>
               <a:pPr/>
-              <a:t>2019/3/2</a:t>
+              <a:t>2019/7/18</a:t>
             </a:fld>
             <a:endParaRPr lang="zh-TW" altLang="en-US"/>
           </a:p>
@@ -4984,7 +4984,7 @@
             <a:fld id="{629A4568-D3E1-4A24-A38A-DA3330C20CB2}" type="datetime1">
               <a:rPr lang="zh-TW" altLang="en-US" smtClean="0"/>
               <a:pPr/>
-              <a:t>2019/3/2</a:t>
+              <a:t>2019/7/18</a:t>
             </a:fld>
             <a:endParaRPr lang="zh-TW" altLang="en-US"/>
           </a:p>
@@ -5163,7 +5163,7 @@
             <a:fld id="{1CFD9235-7626-4309-87C7-AB2FBF5DF170}" type="datetime1">
               <a:rPr lang="zh-TW" altLang="en-US" smtClean="0"/>
               <a:pPr/>
-              <a:t>2019/3/2</a:t>
+              <a:t>2019/7/18</a:t>
             </a:fld>
             <a:endParaRPr lang="zh-TW" altLang="en-US"/>
           </a:p>
@@ -5352,7 +5352,7 @@
             <a:fld id="{19C3EB65-30FC-45D9-B20A-9EB8A988B4F7}" type="datetime1">
               <a:rPr lang="zh-TW" altLang="en-US" smtClean="0"/>
               <a:pPr/>
-              <a:t>2019/3/2</a:t>
+              <a:t>2019/7/18</a:t>
             </a:fld>
             <a:endParaRPr lang="zh-TW" altLang="en-US"/>
           </a:p>
@@ -7148,7 +7148,7 @@
             <a:fld id="{A9992B6A-DBF2-4CDC-A088-BF2A58A88CDF}" type="datetime1">
               <a:rPr lang="zh-TW" altLang="en-US" smtClean="0"/>
               <a:pPr/>
-              <a:t>2019/3/2</a:t>
+              <a:t>2019/7/18</a:t>
             </a:fld>
             <a:endParaRPr lang="zh-TW" altLang="en-US"/>
           </a:p>
@@ -13561,7 +13561,7 @@
             <a:fld id="{14758A13-80AC-41CF-B9E6-36072E833368}" type="datetime1">
               <a:rPr lang="zh-TW" altLang="en-US" smtClean="0"/>
               <a:pPr/>
-              <a:t>2019/3/2</a:t>
+              <a:t>2019/7/18</a:t>
             </a:fld>
             <a:endParaRPr lang="zh-TW" altLang="en-US"/>
           </a:p>
@@ -13762,7 +13762,7 @@
             <a:fld id="{F72FCA40-EACF-420D-99A7-43DD1F7A7683}" type="datetime1">
               <a:rPr lang="zh-TW" altLang="en-US" smtClean="0"/>
               <a:pPr/>
-              <a:t>2019/3/2</a:t>
+              <a:t>2019/7/18</a:t>
             </a:fld>
             <a:endParaRPr lang="zh-TW" altLang="en-US"/>
           </a:p>
@@ -14059,7 +14059,7 @@
             <a:fld id="{38EA8685-1B44-49EC-8B22-7EB300F3DDD2}" type="datetime1">
               <a:rPr lang="zh-TW" altLang="en-US" smtClean="0"/>
               <a:pPr/>
-              <a:t>2019/3/2</a:t>
+              <a:t>2019/7/18</a:t>
             </a:fld>
             <a:endParaRPr lang="zh-TW" altLang="en-US"/>
           </a:p>
@@ -14495,7 +14495,7 @@
             <a:fld id="{363018B8-F72B-4930-B949-4F9C38CAD6C1}" type="datetime1">
               <a:rPr lang="zh-TW" altLang="en-US" smtClean="0"/>
               <a:pPr/>
-              <a:t>2019/3/2</a:t>
+              <a:t>2019/7/18</a:t>
             </a:fld>
             <a:endParaRPr lang="zh-TW" altLang="en-US"/>
           </a:p>
@@ -14622,7 +14622,7 @@
             <a:fld id="{CF848C2F-C7A3-468A-8F71-4E0D161FE949}" type="datetime1">
               <a:rPr lang="zh-TW" altLang="en-US" smtClean="0"/>
               <a:pPr/>
-              <a:t>2019/3/2</a:t>
+              <a:t>2019/7/18</a:t>
             </a:fld>
             <a:endParaRPr lang="zh-TW" altLang="en-US"/>
           </a:p>
@@ -14726,7 +14726,7 @@
             <a:fld id="{D9C8FD4A-DB0E-40CD-9D4B-E6F8C55C5581}" type="datetime1">
               <a:rPr lang="zh-TW" altLang="en-US" smtClean="0"/>
               <a:pPr/>
-              <a:t>2019/3/2</a:t>
+              <a:t>2019/7/18</a:t>
             </a:fld>
             <a:endParaRPr lang="zh-TW" altLang="en-US"/>
           </a:p>
@@ -16254,7 +16254,7 @@
             <a:fld id="{2B5AA901-6457-405F-B175-E5F47D5034CB}" type="datetime1">
               <a:rPr lang="zh-TW" altLang="en-US" smtClean="0"/>
               <a:pPr/>
-              <a:t>2019/3/2</a:t>
+              <a:t>2019/7/18</a:t>
             </a:fld>
             <a:endParaRPr lang="zh-TW" altLang="en-US"/>
           </a:p>
@@ -19655,7 +19655,7 @@
           <a:graphicData uri="http://schemas.openxmlformats.org/presentationml/2006/ole">
             <mc:AlternateContent xmlns:mc="http://schemas.openxmlformats.org/markup-compatibility/2006">
               <mc:Choice xmlns:v="urn:schemas-microsoft-com:vml" Requires="v">
-                <p:oleObj spid="_x0000_s1106" name="點陣圖影像" r:id="rId3" imgW="1552792" imgH="276117" progId="Paint.Picture">
+                <p:oleObj spid="_x0000_s1109" name="點陣圖影像" r:id="rId3" imgW="1552792" imgH="276117" progId="Paint.Picture">
                   <p:embed/>
                 </p:oleObj>
               </mc:Choice>
@@ -19754,7 +19754,7 @@
           <a:graphicData uri="http://schemas.openxmlformats.org/presentationml/2006/ole">
             <mc:AlternateContent xmlns:mc="http://schemas.openxmlformats.org/markup-compatibility/2006">
               <mc:Choice xmlns:v="urn:schemas-microsoft-com:vml" Requires="v">
-                <p:oleObj spid="_x0000_s1107" name="點陣圖影像" r:id="rId5" imgW="1219370" imgH="285866" progId="Paint.Picture">
+                <p:oleObj spid="_x0000_s1110" name="點陣圖影像" r:id="rId5" imgW="1219370" imgH="285866" progId="Paint.Picture">
                   <p:embed/>
                 </p:oleObj>
               </mc:Choice>
@@ -19853,7 +19853,7 @@
           <a:graphicData uri="http://schemas.openxmlformats.org/presentationml/2006/ole">
             <mc:AlternateContent xmlns:mc="http://schemas.openxmlformats.org/markup-compatibility/2006">
               <mc:Choice xmlns:v="urn:schemas-microsoft-com:vml" Requires="v">
-                <p:oleObj spid="_x0000_s1108" name="點陣圖影像" r:id="rId7" imgW="2095793" imgH="237969" progId="Paint.Picture">
+                <p:oleObj spid="_x0000_s1111" name="點陣圖影像" r:id="rId7" imgW="2095793" imgH="237969" progId="Paint.Picture">
                   <p:embed/>
                 </p:oleObj>
               </mc:Choice>
@@ -20968,7 +20968,7 @@
           <a:graphicData uri="http://schemas.openxmlformats.org/presentationml/2006/ole">
             <mc:AlternateContent xmlns:mc="http://schemas.openxmlformats.org/markup-compatibility/2006">
               <mc:Choice xmlns:v="urn:schemas-microsoft-com:vml" Requires="v">
-                <p:oleObj spid="_x0000_s2106" name="點陣圖影像" r:id="rId3" imgW="504762" imgH="266737" progId="Paint.Picture">
+                <p:oleObj spid="_x0000_s2108" name="點陣圖影像" r:id="rId3" imgW="504762" imgH="266737" progId="Paint.Picture">
                   <p:embed/>
                 </p:oleObj>
               </mc:Choice>
@@ -21067,7 +21067,7 @@
           <a:graphicData uri="http://schemas.openxmlformats.org/presentationml/2006/ole">
             <mc:AlternateContent xmlns:mc="http://schemas.openxmlformats.org/markup-compatibility/2006">
               <mc:Choice xmlns:v="urn:schemas-microsoft-com:vml" Requires="v">
-                <p:oleObj spid="_x0000_s2107" name="點陣圖影像" r:id="rId5" imgW="390580" imgH="228571" progId="Paint.Picture">
+                <p:oleObj spid="_x0000_s2109" name="點陣圖影像" r:id="rId5" imgW="390580" imgH="228571" progId="Paint.Picture">
                   <p:embed/>
                 </p:oleObj>
               </mc:Choice>
@@ -22574,7 +22574,7 @@
           <a:graphicData uri="http://schemas.openxmlformats.org/presentationml/2006/ole">
             <mc:AlternateContent xmlns:mc="http://schemas.openxmlformats.org/markup-compatibility/2006">
               <mc:Choice xmlns:v="urn:schemas-microsoft-com:vml" Requires="v">
-                <p:oleObj spid="_x0000_s3100" name="點陣圖影像" r:id="rId3" imgW="2943636" imgH="609524" progId="Paint.Picture">
+                <p:oleObj spid="_x0000_s3101" name="點陣圖影像" r:id="rId3" imgW="2943636" imgH="609524" progId="Paint.Picture">
                   <p:embed/>
                 </p:oleObj>
               </mc:Choice>
@@ -23060,7 +23060,7 @@
           <a:graphicData uri="http://schemas.openxmlformats.org/presentationml/2006/ole">
             <mc:AlternateContent xmlns:mc="http://schemas.openxmlformats.org/markup-compatibility/2006">
               <mc:Choice xmlns:v="urn:schemas-microsoft-com:vml" Requires="v">
-                <p:oleObj spid="_x0000_s4124" name="點陣圖影像" r:id="rId3" imgW="990738" imgH="666667" progId="Paint.Picture">
+                <p:oleObj spid="_x0000_s4125" name="點陣圖影像" r:id="rId3" imgW="990738" imgH="666667" progId="Paint.Picture">
                   <p:embed/>
                 </p:oleObj>
               </mc:Choice>
@@ -24803,82 +24803,82 @@
           </a:p>
           <a:p>
             <a:r>
-              <a:rPr lang="zh-TW" altLang="en-US" dirty="0">
-                <a:solidFill>
-                  <a:schemeClr val="bg1">
-                    <a:lumMod val="50000"/>
-                  </a:schemeClr>
-                </a:solidFill>
-              </a:rPr>
+              <a:rPr lang="zh-TW" altLang="en-US" dirty="0"/>
               <a:t>填表</a:t>
             </a:r>
             <a:r>
-              <a:rPr lang="zh-TW" altLang="en-US" dirty="0" smtClean="0">
-                <a:solidFill>
-                  <a:schemeClr val="bg1">
-                    <a:lumMod val="50000"/>
-                  </a:schemeClr>
-                </a:solidFill>
-              </a:rPr>
+              <a:rPr lang="zh-TW" altLang="en-US" dirty="0" smtClean="0"/>
               <a:t>資料處理</a:t>
             </a:r>
-            <a:endParaRPr lang="en-US" altLang="zh-TW" dirty="0">
-              <a:solidFill>
-                <a:schemeClr val="bg1">
-                  <a:lumMod val="50000"/>
-                </a:schemeClr>
-              </a:solidFill>
-            </a:endParaRPr>
+            <a:endParaRPr lang="en-US" altLang="zh-TW" dirty="0"/>
           </a:p>
           <a:p>
             <a:pPr lvl="1"/>
             <a:r>
-              <a:rPr lang="zh-TW" altLang="en-US" dirty="0">
-                <a:solidFill>
-                  <a:schemeClr val="bg1">
-                    <a:lumMod val="50000"/>
-                  </a:schemeClr>
-                </a:solidFill>
-              </a:rPr>
+              <a:rPr lang="zh-TW" altLang="en-US" dirty="0"/>
               <a:t>防</a:t>
             </a:r>
             <a:r>
-              <a:rPr lang="zh-TW" altLang="en-US" dirty="0" smtClean="0">
-                <a:solidFill>
-                  <a:schemeClr val="bg1">
-                    <a:lumMod val="50000"/>
-                  </a:schemeClr>
-                </a:solidFill>
-              </a:rPr>
-              <a:t>呆、前後單處理、</a:t>
-            </a:r>
-            <a:r>
-              <a:rPr lang="en-US" altLang="zh-TW" dirty="0" smtClean="0">
-                <a:solidFill>
-                  <a:schemeClr val="bg1">
-                    <a:lumMod val="50000"/>
-                  </a:schemeClr>
-                </a:solidFill>
-              </a:rPr>
+              <a:rPr lang="zh-TW" altLang="en-US" dirty="0" smtClean="0"/>
+              <a:t>呆</a:t>
+            </a:r>
+            <a:r>
+              <a:rPr lang="zh-TW" altLang="en-US" dirty="0" smtClean="0"/>
+              <a:t>、表單資料彙整</a:t>
+            </a:r>
+            <a:r>
+              <a:rPr lang="en-US" altLang="zh-TW" dirty="0" smtClean="0"/>
+              <a:t>(</a:t>
+            </a:r>
+            <a:r>
+              <a:rPr lang="zh-TW" altLang="en-US" dirty="0" smtClean="0"/>
+              <a:t>彙整成 </a:t>
+            </a:r>
+            <a:r>
+              <a:rPr lang="en-US" altLang="zh-TW" dirty="0" smtClean="0"/>
+              <a:t>array</a:t>
+            </a:r>
+            <a:r>
+              <a:rPr lang="zh-TW" altLang="en-US" dirty="0" smtClean="0"/>
+              <a:t>、</a:t>
+            </a:r>
+            <a:r>
+              <a:rPr lang="en-US" altLang="zh-TW" dirty="0" err="1" smtClean="0"/>
+              <a:t>JSON</a:t>
+            </a:r>
+            <a:r>
+              <a:rPr lang="zh-TW" altLang="en-US" dirty="0" smtClean="0"/>
+              <a:t>、或 </a:t>
+            </a:r>
+            <a:r>
+              <a:rPr lang="en-US" altLang="zh-TW" dirty="0" smtClean="0"/>
+              <a:t>XML</a:t>
+            </a:r>
+            <a:r>
+              <a:rPr lang="zh-TW" altLang="en-US" dirty="0" smtClean="0"/>
+              <a:t> 格式</a:t>
+            </a:r>
+            <a:r>
+              <a:rPr lang="en-US" altLang="zh-TW" dirty="0" smtClean="0"/>
+              <a:t>)</a:t>
+            </a:r>
+            <a:r>
+              <a:rPr lang="zh-TW" altLang="en-US" dirty="0" smtClean="0"/>
+              <a:t>、</a:t>
+            </a:r>
+            <a:r>
+              <a:rPr lang="en-US" altLang="zh-TW" dirty="0" smtClean="0"/>
               <a:t>HTTP</a:t>
             </a:r>
             <a:r>
-              <a:rPr lang="zh-TW" altLang="en-US" smtClean="0">
-                <a:solidFill>
-                  <a:schemeClr val="bg1">
-                    <a:lumMod val="50000"/>
-                  </a:schemeClr>
-                </a:solidFill>
-              </a:rPr>
-              <a:t> 傳輸</a:t>
-            </a:r>
-            <a:endParaRPr lang="zh-TW" altLang="en-US" dirty="0">
-              <a:solidFill>
-                <a:schemeClr val="bg1">
-                  <a:lumMod val="50000"/>
-                </a:schemeClr>
-              </a:solidFill>
-            </a:endParaRPr>
+              <a:rPr lang="zh-TW" altLang="en-US" dirty="0" smtClean="0"/>
+              <a:t> </a:t>
+            </a:r>
+            <a:r>
+              <a:rPr lang="zh-TW" altLang="en-US" dirty="0" smtClean="0"/>
+              <a:t>上傳資料</a:t>
+            </a:r>
+            <a:endParaRPr lang="zh-TW" altLang="en-US" dirty="0"/>
           </a:p>
         </p:txBody>
       </p:sp>
